--- a/presentation/final_presentation.pptx
+++ b/presentation/final_presentation.pptx
@@ -3197,7 +3197,7 @@
             </a:r>
             <a:r>
               <a:rPr lang="en-US" dirty="0" err="1" smtClean="0"/>
-              <a:t>Adbulhai</a:t>
+              <a:t>Abdulhai</a:t>
             </a:r>
             <a:endParaRPr lang="en-US" dirty="0" smtClean="0"/>
           </a:p>
@@ -3228,6 +3228,13 @@
   <p:clrMapOvr>
     <a:masterClrMapping/>
   </p:clrMapOvr>
+  <p:timing>
+    <p:tnLst>
+      <p:par>
+        <p:cTn id="1" dur="indefinite" restart="never" nodeType="tmRoot"/>
+      </p:par>
+    </p:tnLst>
+  </p:timing>
 </p:sld>
 </file>
 
@@ -3344,6 +3351,13 @@
   <p:clrMapOvr>
     <a:masterClrMapping/>
   </p:clrMapOvr>
+  <p:timing>
+    <p:tnLst>
+      <p:par>
+        <p:cTn id="1" dur="indefinite" restart="never" nodeType="tmRoot"/>
+      </p:par>
+    </p:tnLst>
+  </p:timing>
 </p:sld>
 </file>
 
@@ -3642,6 +3656,13 @@
   <p:clrMapOvr>
     <a:masterClrMapping/>
   </p:clrMapOvr>
+  <p:timing>
+    <p:tnLst>
+      <p:par>
+        <p:cTn id="1" dur="indefinite" restart="never" nodeType="tmRoot"/>
+      </p:par>
+    </p:tnLst>
+  </p:timing>
 </p:sld>
 </file>
 
@@ -3750,6 +3771,13 @@
   <p:clrMapOvr>
     <a:masterClrMapping/>
   </p:clrMapOvr>
+  <p:timing>
+    <p:tnLst>
+      <p:par>
+        <p:cTn id="1" dur="indefinite" restart="never" nodeType="tmRoot"/>
+      </p:par>
+    </p:tnLst>
+  </p:timing>
 </p:sld>
 </file>
 
@@ -3835,16 +3863,16 @@
           </a:p>
           <a:p>
             <a:r>
-              <a:rPr lang="en-US" dirty="0" err="1" smtClean="0"/>
+              <a:rPr lang="en-US" err="1" smtClean="0"/>
               <a:t>Marwa</a:t>
             </a:r>
             <a:r>
-              <a:rPr lang="en-US" dirty="0" smtClean="0"/>
+              <a:rPr lang="en-US" smtClean="0"/>
               <a:t> </a:t>
             </a:r>
             <a:r>
-              <a:rPr lang="en-US" dirty="0" err="1" smtClean="0"/>
-              <a:t>Adbulhai</a:t>
+              <a:rPr lang="en-US" smtClean="0"/>
+              <a:t>Abdulhai</a:t>
             </a:r>
             <a:endParaRPr lang="en-US" dirty="0" smtClean="0"/>
           </a:p>
@@ -3875,6 +3903,13 @@
   <p:clrMapOvr>
     <a:masterClrMapping/>
   </p:clrMapOvr>
+  <p:timing>
+    <p:tnLst>
+      <p:par>
+        <p:cTn id="1" dur="indefinite" restart="never" nodeType="tmRoot"/>
+      </p:par>
+    </p:tnLst>
+  </p:timing>
 </p:sld>
 </file>
 
@@ -3959,6 +3994,13 @@
   <p:clrMapOvr>
     <a:masterClrMapping/>
   </p:clrMapOvr>
+  <p:timing>
+    <p:tnLst>
+      <p:par>
+        <p:cTn id="1" dur="indefinite" restart="never" nodeType="tmRoot"/>
+      </p:par>
+    </p:tnLst>
+  </p:timing>
 </p:sld>
 </file>
 
@@ -4053,6 +4095,13 @@
   <p:clrMapOvr>
     <a:masterClrMapping/>
   </p:clrMapOvr>
+  <p:timing>
+    <p:tnLst>
+      <p:par>
+        <p:cTn id="1" dur="indefinite" restart="never" nodeType="tmRoot"/>
+      </p:par>
+    </p:tnLst>
+  </p:timing>
 </p:sld>
 </file>
 
@@ -4135,6 +4184,13 @@
   <p:clrMapOvr>
     <a:masterClrMapping/>
   </p:clrMapOvr>
+  <p:timing>
+    <p:tnLst>
+      <p:par>
+        <p:cTn id="1" dur="indefinite" restart="never" nodeType="tmRoot"/>
+      </p:par>
+    </p:tnLst>
+  </p:timing>
 </p:sld>
 </file>
 
@@ -4217,6 +4273,13 @@
   <p:clrMapOvr>
     <a:masterClrMapping/>
   </p:clrMapOvr>
+  <p:timing>
+    <p:tnLst>
+      <p:par>
+        <p:cTn id="1" dur="indefinite" restart="never" nodeType="tmRoot"/>
+      </p:par>
+    </p:tnLst>
+  </p:timing>
 </p:sld>
 </file>
 
@@ -4299,6 +4362,13 @@
   <p:clrMapOvr>
     <a:masterClrMapping/>
   </p:clrMapOvr>
+  <p:timing>
+    <p:tnLst>
+      <p:par>
+        <p:cTn id="1" dur="indefinite" restart="never" nodeType="tmRoot"/>
+      </p:par>
+    </p:tnLst>
+  </p:timing>
 </p:sld>
 </file>
 
@@ -4381,6 +4451,13 @@
   <p:clrMapOvr>
     <a:masterClrMapping/>
   </p:clrMapOvr>
+  <p:timing>
+    <p:tnLst>
+      <p:par>
+        <p:cTn id="1" dur="indefinite" restart="never" nodeType="tmRoot"/>
+      </p:par>
+    </p:tnLst>
+  </p:timing>
 </p:sld>
 </file>
 
@@ -4463,6 +4540,13 @@
   <p:clrMapOvr>
     <a:masterClrMapping/>
   </p:clrMapOvr>
+  <p:timing>
+    <p:tnLst>
+      <p:par>
+        <p:cTn id="1" dur="indefinite" restart="never" nodeType="tmRoot"/>
+      </p:par>
+    </p:tnLst>
+  </p:timing>
 </p:sld>
 </file>
 
@@ -4561,6 +4645,13 @@
   <p:clrMapOvr>
     <a:masterClrMapping/>
   </p:clrMapOvr>
+  <p:timing>
+    <p:tnLst>
+      <p:par>
+        <p:cTn id="1" dur="indefinite" restart="never" nodeType="tmRoot"/>
+      </p:par>
+    </p:tnLst>
+  </p:timing>
 </p:sld>
 </file>
 

--- a/presentation/final_presentation.pptx
+++ b/presentation/final_presentation.pptx
@@ -3718,7 +3718,9 @@
         </p:nvSpPr>
         <p:spPr/>
         <p:txBody>
-          <a:bodyPr/>
+          <a:bodyPr>
+            <a:normAutofit lnSpcReduction="10000"/>
+          </a:bodyPr>
           <a:lstStyle/>
           <a:p>
             <a:r>
@@ -3755,7 +3757,21 @@
           <a:p>
             <a:r>
               <a:rPr lang="en-US" dirty="0" smtClean="0"/>
-              <a:t>Could use additional datasets/clustering techniques</a:t>
+              <a:t>Could use additional datasets/clustering </a:t>
+            </a:r>
+            <a:r>
+              <a:rPr lang="en-US" dirty="0" smtClean="0"/>
+              <a:t>techniques</a:t>
+            </a:r>
+          </a:p>
+          <a:p>
+            <a:r>
+              <a:rPr lang="en-US" dirty="0" smtClean="0"/>
+              <a:t>Eventually </a:t>
+            </a:r>
+            <a:r>
+              <a:rPr lang="en-US" smtClean="0"/>
+              <a:t>implement neural network to train</a:t>
             </a:r>
             <a:endParaRPr lang="en-US" dirty="0"/>
           </a:p>
@@ -3863,15 +3879,15 @@
           </a:p>
           <a:p>
             <a:r>
-              <a:rPr lang="en-US" err="1" smtClean="0"/>
+              <a:rPr lang="en-US" dirty="0" err="1" smtClean="0"/>
               <a:t>Marwa</a:t>
             </a:r>
             <a:r>
-              <a:rPr lang="en-US" smtClean="0"/>
+              <a:rPr lang="en-US" dirty="0" smtClean="0"/>
               <a:t> </a:t>
             </a:r>
             <a:r>
-              <a:rPr lang="en-US" smtClean="0"/>
+              <a:rPr lang="en-US" dirty="0" err="1" smtClean="0"/>
               <a:t>Abdulhai</a:t>
             </a:r>
             <a:endParaRPr lang="en-US" dirty="0" smtClean="0"/>
